--- a/Final_Presentation.pptx
+++ b/Final_Presentation.pptx
@@ -13,13 +13,15 @@
     <p:sldId id="262" r:id="rId7"/>
     <p:sldId id="260" r:id="rId8"/>
     <p:sldId id="267" r:id="rId9"/>
-    <p:sldId id="259" r:id="rId10"/>
-    <p:sldId id="266" r:id="rId11"/>
-    <p:sldId id="268" r:id="rId12"/>
-    <p:sldId id="269" r:id="rId13"/>
-    <p:sldId id="272" r:id="rId14"/>
-    <p:sldId id="271" r:id="rId15"/>
-    <p:sldId id="270" r:id="rId16"/>
+    <p:sldId id="273" r:id="rId10"/>
+    <p:sldId id="259" r:id="rId11"/>
+    <p:sldId id="274" r:id="rId12"/>
+    <p:sldId id="266" r:id="rId13"/>
+    <p:sldId id="268" r:id="rId14"/>
+    <p:sldId id="269" r:id="rId15"/>
+    <p:sldId id="272" r:id="rId16"/>
+    <p:sldId id="271" r:id="rId17"/>
+    <p:sldId id="270" r:id="rId18"/>
   </p:sldIdLst>
   <p:sldSz cx="12192000" cy="6858000"/>
   <p:notesSz cx="6858000" cy="9144000"/>
@@ -664,11 +666,11 @@
         </c:dLbls>
         <c:gapWidth val="100"/>
         <c:overlap val="-24"/>
-        <c:axId val="281030640"/>
-        <c:axId val="280948176"/>
+        <c:axId val="219735160"/>
+        <c:axId val="310705920"/>
       </c:barChart>
       <c:catAx>
-        <c:axId val="281030640"/>
+        <c:axId val="219735160"/>
         <c:scaling>
           <c:orientation val="minMax"/>
         </c:scaling>
@@ -710,7 +712,7 @@
             <a:endParaRPr lang="en-US"/>
           </a:p>
         </c:txPr>
-        <c:crossAx val="280948176"/>
+        <c:crossAx val="310705920"/>
         <c:crosses val="autoZero"/>
         <c:auto val="1"/>
         <c:lblAlgn val="ctr"/>
@@ -718,7 +720,7 @@
         <c:noMultiLvlLbl val="0"/>
       </c:catAx>
       <c:valAx>
-        <c:axId val="280948176"/>
+        <c:axId val="310705920"/>
         <c:scaling>
           <c:orientation val="minMax"/>
         </c:scaling>
@@ -768,7 +770,7 @@
             <a:endParaRPr lang="en-US"/>
           </a:p>
         </c:txPr>
-        <c:crossAx val="281030640"/>
+        <c:crossAx val="219735160"/>
         <c:crosses val="autoZero"/>
         <c:crossBetween val="between"/>
       </c:valAx>
@@ -1770,11 +1772,11 @@
         </c:dLbls>
         <c:gapWidth val="150"/>
         <c:overlap val="100"/>
-        <c:axId val="488497096"/>
-        <c:axId val="488497488"/>
+        <c:axId val="310704352"/>
+        <c:axId val="310707488"/>
       </c:barChart>
       <c:catAx>
-        <c:axId val="488497096"/>
+        <c:axId val="310704352"/>
         <c:scaling>
           <c:orientation val="minMax"/>
         </c:scaling>
@@ -1784,7 +1786,7 @@
         <c:majorTickMark val="none"/>
         <c:minorTickMark val="none"/>
         <c:tickLblPos val="nextTo"/>
-        <c:crossAx val="488497488"/>
+        <c:crossAx val="310707488"/>
         <c:crosses val="autoZero"/>
         <c:auto val="1"/>
         <c:lblAlgn val="ctr"/>
@@ -1792,7 +1794,7 @@
         <c:noMultiLvlLbl val="0"/>
       </c:catAx>
       <c:valAx>
-        <c:axId val="488497488"/>
+        <c:axId val="310707488"/>
         <c:scaling>
           <c:orientation val="minMax"/>
         </c:scaling>
@@ -1842,7 +1844,7 @@
             <a:endParaRPr lang="en-US"/>
           </a:p>
         </c:txPr>
-        <c:crossAx val="488497096"/>
+        <c:crossAx val="310704352"/>
         <c:crosses val="autoZero"/>
         <c:crossBetween val="between"/>
       </c:valAx>
@@ -6570,10 +6572,14 @@
           </a:lstStyle>
           <a:p>
             <a:r>
-              <a:rPr lang="en-GB" dirty="0" smtClean="0"/>
+              <a:rPr lang="en-GB" dirty="0" smtClean="0">
+                <a:latin typeface="Rockwell" panose="02060603020205020403" pitchFamily="18" charset="0"/>
+              </a:rPr>
               <a:t>Data Mining </a:t>
             </a:r>
-            <a:endParaRPr lang="en-GB" dirty="0"/>
+            <a:endParaRPr lang="en-GB" dirty="0">
+              <a:latin typeface="Rockwell" panose="02060603020205020403" pitchFamily="18" charset="0"/>
+            </a:endParaRPr>
           </a:p>
         </p:txBody>
       </p:sp>
@@ -6626,6 +6632,36 @@
           </a:p>
         </p:txBody>
       </p:sp>
+      <p:pic>
+        <p:nvPicPr>
+          <p:cNvPr id="2" name="Picture 1"/>
+          <p:cNvPicPr>
+            <a:picLocks noChangeAspect="1"/>
+          </p:cNvPicPr>
+          <p:nvPr/>
+        </p:nvPicPr>
+        <p:blipFill>
+          <a:blip r:embed="rId3" cstate="print">
+            <a:extLst>
+              <a:ext uri="{28A0092B-C50C-407E-A947-70E740481C1C}">
+                <a14:useLocalDpi xmlns:a14="http://schemas.microsoft.com/office/drawing/2010/main" val="0"/>
+              </a:ext>
+            </a:extLst>
+          </a:blip>
+          <a:stretch>
+            <a:fillRect/>
+          </a:stretch>
+        </p:blipFill>
+        <p:spPr>
+          <a:xfrm>
+            <a:off x="10620423" y="124109"/>
+            <a:ext cx="1182919" cy="1182919"/>
+          </a:xfrm>
+          <a:prstGeom prst="rect">
+            <a:avLst/>
+          </a:prstGeom>
+        </p:spPr>
+      </p:pic>
     </p:spTree>
     <p:extLst>
       <p:ext uri="{BB962C8B-B14F-4D97-AF65-F5344CB8AC3E}">
@@ -6805,44 +6841,142 @@
           <a:p>
             <a:r>
               <a:rPr lang="en-GB" dirty="0" smtClean="0"/>
-              <a:t>Most Influential </a:t>
-            </a:r>
-            <a:r>
-              <a:rPr lang="en-GB" dirty="0" smtClean="0"/>
-              <a:t>Channel in the UK</a:t>
+              <a:t>Research Questions</a:t>
             </a:r>
             <a:endParaRPr lang="en-GB" dirty="0"/>
           </a:p>
         </p:txBody>
       </p:sp>
-      <p:graphicFrame>
-        <p:nvGraphicFramePr>
-          <p:cNvPr id="5" name="Chart 4"/>
-          <p:cNvGraphicFramePr>
-            <a:graphicFrameLocks/>
-          </p:cNvGraphicFramePr>
+      <p:sp>
+        <p:nvSpPr>
+          <p:cNvPr id="3" name="Content Placeholder 2"/>
+          <p:cNvSpPr>
+            <a:spLocks noGrp="1"/>
+          </p:cNvSpPr>
           <p:nvPr>
-            <p:extLst>
-              <p:ext uri="{D42A27DB-BD31-4B8C-83A1-F6EECF244321}">
-                <p14:modId xmlns:p14="http://schemas.microsoft.com/office/powerpoint/2010/main" val="2328391152"/>
-              </p:ext>
-            </p:extLst>
+            <p:ph idx="1"/>
           </p:nvPr>
-        </p:nvGraphicFramePr>
-        <p:xfrm>
-          <a:off x="128587" y="1506202"/>
-          <a:ext cx="11934825" cy="4543425"/>
-        </p:xfrm>
-        <a:graphic>
-          <a:graphicData uri="http://schemas.openxmlformats.org/drawingml/2006/chart">
-            <c:chart xmlns:c="http://schemas.openxmlformats.org/drawingml/2006/chart" xmlns:r="http://schemas.openxmlformats.org/officeDocument/2006/relationships" r:id="rId2"/>
-          </a:graphicData>
-        </a:graphic>
-      </p:graphicFrame>
+        </p:nvSpPr>
+        <p:spPr/>
+        <p:txBody>
+          <a:bodyPr/>
+          <a:lstStyle/>
+          <a:p>
+            <a:pPr>
+              <a:lnSpc>
+                <a:spcPct val="250000"/>
+              </a:lnSpc>
+            </a:pPr>
+            <a:r>
+              <a:rPr lang="en-GB" sz="2400" dirty="0" smtClean="0">
+                <a:latin typeface="Calisto MT" panose="02040603050505030304" pitchFamily="18" charset="0"/>
+              </a:rPr>
+              <a:t>What is the most influential channel amongst the datasets?</a:t>
+            </a:r>
+          </a:p>
+          <a:p>
+            <a:pPr>
+              <a:lnSpc>
+                <a:spcPct val="250000"/>
+              </a:lnSpc>
+            </a:pPr>
+            <a:r>
+              <a:rPr lang="en-GB" sz="2400" dirty="0">
+                <a:latin typeface="Calisto MT" panose="02040603050505030304" pitchFamily="18" charset="0"/>
+              </a:rPr>
+              <a:t>What is the most popular channel group in </a:t>
+            </a:r>
+            <a:r>
+              <a:rPr lang="en-GB" sz="2400" dirty="0" err="1" smtClean="0">
+                <a:latin typeface="Calisto MT" panose="02040603050505030304" pitchFamily="18" charset="0"/>
+              </a:rPr>
+              <a:t>Youtube</a:t>
+            </a:r>
+            <a:r>
+              <a:rPr lang="en-GB" sz="2400" dirty="0" smtClean="0">
+                <a:latin typeface="Calisto MT" panose="02040603050505030304" pitchFamily="18" charset="0"/>
+              </a:rPr>
+              <a:t> UK?</a:t>
+            </a:r>
+          </a:p>
+          <a:p>
+            <a:pPr>
+              <a:lnSpc>
+                <a:spcPct val="250000"/>
+              </a:lnSpc>
+            </a:pPr>
+            <a:r>
+              <a:rPr lang="en-GB" sz="2400" dirty="0" smtClean="0">
+                <a:latin typeface="Calisto MT" panose="02040603050505030304" pitchFamily="18" charset="0"/>
+              </a:rPr>
+              <a:t>Do Collaborations necessarily lead to more subscribers?</a:t>
+            </a:r>
+          </a:p>
+          <a:p>
+            <a:endParaRPr lang="en-GB" dirty="0">
+              <a:latin typeface="Calisto MT" panose="02040603050505030304" pitchFamily="18" charset="0"/>
+            </a:endParaRPr>
+          </a:p>
+        </p:txBody>
+      </p:sp>
+      <p:pic>
+        <p:nvPicPr>
+          <p:cNvPr id="4" name="Picture 3"/>
+          <p:cNvPicPr>
+            <a:picLocks noChangeAspect="1"/>
+          </p:cNvPicPr>
+          <p:nvPr/>
+        </p:nvPicPr>
+        <p:blipFill>
+          <a:blip r:embed="rId2"/>
+          <a:stretch>
+            <a:fillRect/>
+          </a:stretch>
+        </p:blipFill>
+        <p:spPr>
+          <a:xfrm>
+            <a:off x="8558463" y="2659564"/>
+            <a:ext cx="3465095" cy="3168815"/>
+          </a:xfrm>
+          <a:prstGeom prst="rect">
+            <a:avLst/>
+          </a:prstGeom>
+        </p:spPr>
+      </p:pic>
+      <p:pic>
+        <p:nvPicPr>
+          <p:cNvPr id="5" name="Picture 4"/>
+          <p:cNvPicPr>
+            <a:picLocks noChangeAspect="1"/>
+          </p:cNvPicPr>
+          <p:nvPr/>
+        </p:nvPicPr>
+        <p:blipFill>
+          <a:blip r:embed="rId3" cstate="print">
+            <a:extLst>
+              <a:ext uri="{28A0092B-C50C-407E-A947-70E740481C1C}">
+                <a14:useLocalDpi xmlns:a14="http://schemas.microsoft.com/office/drawing/2010/main" val="0"/>
+              </a:ext>
+            </a:extLst>
+          </a:blip>
+          <a:stretch>
+            <a:fillRect/>
+          </a:stretch>
+        </p:blipFill>
+        <p:spPr>
+          <a:xfrm>
+            <a:off x="10762340" y="116126"/>
+            <a:ext cx="1182919" cy="1182919"/>
+          </a:xfrm>
+          <a:prstGeom prst="rect">
+            <a:avLst/>
+          </a:prstGeom>
+        </p:spPr>
+      </p:pic>
     </p:spTree>
     <p:extLst>
       <p:ext uri="{BB962C8B-B14F-4D97-AF65-F5344CB8AC3E}">
-        <p14:creationId xmlns:p14="http://schemas.microsoft.com/office/powerpoint/2010/main" val="294268440"/>
+        <p14:creationId xmlns:p14="http://schemas.microsoft.com/office/powerpoint/2010/main" val="1107412989"/>
       </p:ext>
     </p:extLst>
   </p:cSld>
@@ -6893,44 +7027,106 @@
           <a:p>
             <a:r>
               <a:rPr lang="en-GB" dirty="0" smtClean="0"/>
-              <a:t>Most </a:t>
-            </a:r>
-            <a:r>
-              <a:rPr lang="en-GB" dirty="0" smtClean="0"/>
-              <a:t>Popular Channel Group in the UK</a:t>
+              <a:t>Tools Used</a:t>
             </a:r>
             <a:endParaRPr lang="en-GB" dirty="0"/>
           </a:p>
         </p:txBody>
       </p:sp>
-      <p:graphicFrame>
-        <p:nvGraphicFramePr>
-          <p:cNvPr id="8" name="Chart 7"/>
-          <p:cNvGraphicFramePr>
-            <a:graphicFrameLocks/>
-          </p:cNvGraphicFramePr>
+      <p:sp>
+        <p:nvSpPr>
+          <p:cNvPr id="3" name="Content Placeholder 2"/>
+          <p:cNvSpPr>
+            <a:spLocks noGrp="1"/>
+          </p:cNvSpPr>
           <p:nvPr>
-            <p:extLst>
-              <p:ext uri="{D42A27DB-BD31-4B8C-83A1-F6EECF244321}">
-                <p14:modId xmlns:p14="http://schemas.microsoft.com/office/powerpoint/2010/main" val="1572342356"/>
-              </p:ext>
-            </p:extLst>
+            <p:ph idx="1"/>
           </p:nvPr>
-        </p:nvGraphicFramePr>
-        <p:xfrm>
-          <a:off x="2133600" y="2070100"/>
-          <a:ext cx="6616700" cy="4051300"/>
-        </p:xfrm>
-        <a:graphic>
-          <a:graphicData uri="http://schemas.openxmlformats.org/drawingml/2006/chart">
-            <c:chart xmlns:c="http://schemas.openxmlformats.org/drawingml/2006/chart" xmlns:r="http://schemas.openxmlformats.org/officeDocument/2006/relationships" r:id="rId2"/>
-          </a:graphicData>
-        </a:graphic>
-      </p:graphicFrame>
+        </p:nvSpPr>
+        <p:spPr/>
+        <p:txBody>
+          <a:bodyPr>
+            <a:normAutofit/>
+          </a:bodyPr>
+          <a:lstStyle/>
+          <a:p>
+            <a:pPr>
+              <a:lnSpc>
+                <a:spcPct val="250000"/>
+              </a:lnSpc>
+            </a:pPr>
+            <a:r>
+              <a:rPr lang="en-GB" sz="2400" dirty="0" smtClean="0">
+                <a:latin typeface="Calisto MT" panose="02040603050505030304" pitchFamily="18" charset="0"/>
+              </a:rPr>
+              <a:t>GEPHI</a:t>
+            </a:r>
+          </a:p>
+          <a:p>
+            <a:pPr>
+              <a:lnSpc>
+                <a:spcPct val="250000"/>
+              </a:lnSpc>
+            </a:pPr>
+            <a:r>
+              <a:rPr lang="en-GB" sz="2400" dirty="0" smtClean="0">
+                <a:latin typeface="Calisto MT" panose="02040603050505030304" pitchFamily="18" charset="0"/>
+              </a:rPr>
+              <a:t>R</a:t>
+            </a:r>
+          </a:p>
+          <a:p>
+            <a:pPr>
+              <a:lnSpc>
+                <a:spcPct val="250000"/>
+              </a:lnSpc>
+            </a:pPr>
+            <a:r>
+              <a:rPr lang="en-GB" sz="2400" dirty="0" smtClean="0">
+                <a:latin typeface="Calisto MT" panose="02040603050505030304" pitchFamily="18" charset="0"/>
+              </a:rPr>
+              <a:t>Excel</a:t>
+            </a:r>
+            <a:endParaRPr lang="en-GB" sz="2400" dirty="0">
+              <a:latin typeface="Calisto MT" panose="02040603050505030304" pitchFamily="18" charset="0"/>
+            </a:endParaRPr>
+          </a:p>
+        </p:txBody>
+      </p:sp>
+      <p:pic>
+        <p:nvPicPr>
+          <p:cNvPr id="4" name="Picture 3"/>
+          <p:cNvPicPr>
+            <a:picLocks noChangeAspect="1"/>
+          </p:cNvPicPr>
+          <p:nvPr/>
+        </p:nvPicPr>
+        <p:blipFill>
+          <a:blip r:embed="rId2" cstate="print">
+            <a:extLst>
+              <a:ext uri="{28A0092B-C50C-407E-A947-70E740481C1C}">
+                <a14:useLocalDpi xmlns:a14="http://schemas.microsoft.com/office/drawing/2010/main" val="0"/>
+              </a:ext>
+            </a:extLst>
+          </a:blip>
+          <a:stretch>
+            <a:fillRect/>
+          </a:stretch>
+        </p:blipFill>
+        <p:spPr>
+          <a:xfrm>
+            <a:off x="10762340" y="116126"/>
+            <a:ext cx="1182919" cy="1182919"/>
+          </a:xfrm>
+          <a:prstGeom prst="rect">
+            <a:avLst/>
+          </a:prstGeom>
+        </p:spPr>
+      </p:pic>
     </p:spTree>
     <p:extLst>
       <p:ext uri="{BB962C8B-B14F-4D97-AF65-F5344CB8AC3E}">
-        <p14:creationId xmlns:p14="http://schemas.microsoft.com/office/powerpoint/2010/main" val="1427893115"/>
+        <p14:creationId xmlns:p14="http://schemas.microsoft.com/office/powerpoint/2010/main" val="2524595319"/>
       </p:ext>
     </p:extLst>
   </p:cSld>
@@ -6974,6 +7170,234 @@
             <p:ph type="title"/>
           </p:nvPr>
         </p:nvSpPr>
+        <p:spPr/>
+        <p:txBody>
+          <a:bodyPr/>
+          <a:lstStyle/>
+          <a:p>
+            <a:r>
+              <a:rPr lang="en-GB" dirty="0" smtClean="0"/>
+              <a:t>Most Influential Channel in the UK</a:t>
+            </a:r>
+            <a:endParaRPr lang="en-GB" dirty="0"/>
+          </a:p>
+        </p:txBody>
+      </p:sp>
+      <p:graphicFrame>
+        <p:nvGraphicFramePr>
+          <p:cNvPr id="5" name="Chart 4"/>
+          <p:cNvGraphicFramePr>
+            <a:graphicFrameLocks/>
+          </p:cNvGraphicFramePr>
+          <p:nvPr>
+            <p:extLst>
+              <p:ext uri="{D42A27DB-BD31-4B8C-83A1-F6EECF244321}">
+                <p14:modId xmlns:p14="http://schemas.microsoft.com/office/powerpoint/2010/main" val="2328391152"/>
+              </p:ext>
+            </p:extLst>
+          </p:nvPr>
+        </p:nvGraphicFramePr>
+        <p:xfrm>
+          <a:off x="128587" y="1506202"/>
+          <a:ext cx="11934825" cy="4543425"/>
+        </p:xfrm>
+        <a:graphic>
+          <a:graphicData uri="http://schemas.openxmlformats.org/drawingml/2006/chart">
+            <c:chart xmlns:c="http://schemas.openxmlformats.org/drawingml/2006/chart" xmlns:r="http://schemas.openxmlformats.org/officeDocument/2006/relationships" r:id="rId2"/>
+          </a:graphicData>
+        </a:graphic>
+      </p:graphicFrame>
+      <p:pic>
+        <p:nvPicPr>
+          <p:cNvPr id="4" name="Picture 3"/>
+          <p:cNvPicPr>
+            <a:picLocks noChangeAspect="1"/>
+          </p:cNvPicPr>
+          <p:nvPr/>
+        </p:nvPicPr>
+        <p:blipFill>
+          <a:blip r:embed="rId3" cstate="print">
+            <a:extLst>
+              <a:ext uri="{28A0092B-C50C-407E-A947-70E740481C1C}">
+                <a14:useLocalDpi xmlns:a14="http://schemas.microsoft.com/office/drawing/2010/main" val="0"/>
+              </a:ext>
+            </a:extLst>
+          </a:blip>
+          <a:stretch>
+            <a:fillRect/>
+          </a:stretch>
+        </p:blipFill>
+        <p:spPr>
+          <a:xfrm>
+            <a:off x="10762340" y="116126"/>
+            <a:ext cx="1182919" cy="1182919"/>
+          </a:xfrm>
+          <a:prstGeom prst="rect">
+            <a:avLst/>
+          </a:prstGeom>
+        </p:spPr>
+      </p:pic>
+    </p:spTree>
+    <p:extLst>
+      <p:ext uri="{BB962C8B-B14F-4D97-AF65-F5344CB8AC3E}">
+        <p14:creationId xmlns:p14="http://schemas.microsoft.com/office/powerpoint/2010/main" val="294268440"/>
+      </p:ext>
+    </p:extLst>
+  </p:cSld>
+  <p:clrMapOvr>
+    <a:masterClrMapping/>
+  </p:clrMapOvr>
+  <p:timing>
+    <p:tnLst>
+      <p:par>
+        <p:cTn id="1" dur="indefinite" restart="never" nodeType="tmRoot"/>
+      </p:par>
+    </p:tnLst>
+  </p:timing>
+</p:sld>
+</file>
+
+<file path=ppt/slides/slide13.xml><?xml version="1.0" encoding="utf-8"?>
+<p:sld xmlns:a="http://schemas.openxmlformats.org/drawingml/2006/main" xmlns:r="http://schemas.openxmlformats.org/officeDocument/2006/relationships" xmlns:p="http://schemas.openxmlformats.org/presentationml/2006/main">
+  <p:cSld>
+    <p:spTree>
+      <p:nvGrpSpPr>
+        <p:cNvPr id="1" name=""/>
+        <p:cNvGrpSpPr/>
+        <p:nvPr/>
+      </p:nvGrpSpPr>
+      <p:grpSpPr>
+        <a:xfrm>
+          <a:off x="0" y="0"/>
+          <a:ext cx="0" cy="0"/>
+          <a:chOff x="0" y="0"/>
+          <a:chExt cx="0" cy="0"/>
+        </a:xfrm>
+      </p:grpSpPr>
+      <p:sp>
+        <p:nvSpPr>
+          <p:cNvPr id="2" name="Title 1"/>
+          <p:cNvSpPr>
+            <a:spLocks noGrp="1"/>
+          </p:cNvSpPr>
+          <p:nvPr>
+            <p:ph type="title"/>
+          </p:nvPr>
+        </p:nvSpPr>
+        <p:spPr/>
+        <p:txBody>
+          <a:bodyPr/>
+          <a:lstStyle/>
+          <a:p>
+            <a:r>
+              <a:rPr lang="en-GB" dirty="0" smtClean="0"/>
+              <a:t>Most Popular Channel Group in the UK</a:t>
+            </a:r>
+            <a:endParaRPr lang="en-GB" dirty="0"/>
+          </a:p>
+        </p:txBody>
+      </p:sp>
+      <p:graphicFrame>
+        <p:nvGraphicFramePr>
+          <p:cNvPr id="8" name="Chart 7"/>
+          <p:cNvGraphicFramePr>
+            <a:graphicFrameLocks/>
+          </p:cNvGraphicFramePr>
+          <p:nvPr>
+            <p:extLst>
+              <p:ext uri="{D42A27DB-BD31-4B8C-83A1-F6EECF244321}">
+                <p14:modId xmlns:p14="http://schemas.microsoft.com/office/powerpoint/2010/main" val="1572342356"/>
+              </p:ext>
+            </p:extLst>
+          </p:nvPr>
+        </p:nvGraphicFramePr>
+        <p:xfrm>
+          <a:off x="2133600" y="2070100"/>
+          <a:ext cx="6616700" cy="4051300"/>
+        </p:xfrm>
+        <a:graphic>
+          <a:graphicData uri="http://schemas.openxmlformats.org/drawingml/2006/chart">
+            <c:chart xmlns:c="http://schemas.openxmlformats.org/drawingml/2006/chart" xmlns:r="http://schemas.openxmlformats.org/officeDocument/2006/relationships" r:id="rId2"/>
+          </a:graphicData>
+        </a:graphic>
+      </p:graphicFrame>
+      <p:pic>
+        <p:nvPicPr>
+          <p:cNvPr id="4" name="Picture 3"/>
+          <p:cNvPicPr>
+            <a:picLocks noChangeAspect="1"/>
+          </p:cNvPicPr>
+          <p:nvPr/>
+        </p:nvPicPr>
+        <p:blipFill>
+          <a:blip r:embed="rId3" cstate="print">
+            <a:extLst>
+              <a:ext uri="{28A0092B-C50C-407E-A947-70E740481C1C}">
+                <a14:useLocalDpi xmlns:a14="http://schemas.microsoft.com/office/drawing/2010/main" val="0"/>
+              </a:ext>
+            </a:extLst>
+          </a:blip>
+          <a:stretch>
+            <a:fillRect/>
+          </a:stretch>
+        </p:blipFill>
+        <p:spPr>
+          <a:xfrm>
+            <a:off x="10762340" y="116126"/>
+            <a:ext cx="1182919" cy="1182919"/>
+          </a:xfrm>
+          <a:prstGeom prst="rect">
+            <a:avLst/>
+          </a:prstGeom>
+        </p:spPr>
+      </p:pic>
+    </p:spTree>
+    <p:extLst>
+      <p:ext uri="{BB962C8B-B14F-4D97-AF65-F5344CB8AC3E}">
+        <p14:creationId xmlns:p14="http://schemas.microsoft.com/office/powerpoint/2010/main" val="1427893115"/>
+      </p:ext>
+    </p:extLst>
+  </p:cSld>
+  <p:clrMapOvr>
+    <a:masterClrMapping/>
+  </p:clrMapOvr>
+  <p:timing>
+    <p:tnLst>
+      <p:par>
+        <p:cTn id="1" dur="indefinite" restart="never" nodeType="tmRoot"/>
+      </p:par>
+    </p:tnLst>
+  </p:timing>
+</p:sld>
+</file>
+
+<file path=ppt/slides/slide14.xml><?xml version="1.0" encoding="utf-8"?>
+<p:sld xmlns:a="http://schemas.openxmlformats.org/drawingml/2006/main" xmlns:r="http://schemas.openxmlformats.org/officeDocument/2006/relationships" xmlns:p="http://schemas.openxmlformats.org/presentationml/2006/main">
+  <p:cSld>
+    <p:spTree>
+      <p:nvGrpSpPr>
+        <p:cNvPr id="1" name=""/>
+        <p:cNvGrpSpPr/>
+        <p:nvPr/>
+      </p:nvGrpSpPr>
+      <p:grpSpPr>
+        <a:xfrm>
+          <a:off x="0" y="0"/>
+          <a:ext cx="0" cy="0"/>
+          <a:chOff x="0" y="0"/>
+          <a:chExt cx="0" cy="0"/>
+        </a:xfrm>
+      </p:grpSpPr>
+      <p:sp>
+        <p:nvSpPr>
+          <p:cNvPr id="2" name="Title 1"/>
+          <p:cNvSpPr>
+            <a:spLocks noGrp="1"/>
+          </p:cNvSpPr>
+          <p:nvPr>
+            <p:ph type="title"/>
+          </p:nvPr>
+        </p:nvSpPr>
         <p:spPr>
           <a:xfrm>
             <a:off x="2041357" y="341061"/>
@@ -7019,6 +7443,36 @@
           </a:graphicData>
         </a:graphic>
       </p:graphicFrame>
+      <p:pic>
+        <p:nvPicPr>
+          <p:cNvPr id="5" name="Picture 4"/>
+          <p:cNvPicPr>
+            <a:picLocks noChangeAspect="1"/>
+          </p:cNvPicPr>
+          <p:nvPr/>
+        </p:nvPicPr>
+        <p:blipFill>
+          <a:blip r:embed="rId3" cstate="print">
+            <a:extLst>
+              <a:ext uri="{28A0092B-C50C-407E-A947-70E740481C1C}">
+                <a14:useLocalDpi xmlns:a14="http://schemas.microsoft.com/office/drawing/2010/main" val="0"/>
+              </a:ext>
+            </a:extLst>
+          </a:blip>
+          <a:stretch>
+            <a:fillRect/>
+          </a:stretch>
+        </p:blipFill>
+        <p:spPr>
+          <a:xfrm>
+            <a:off x="10762340" y="116126"/>
+            <a:ext cx="1182919" cy="1182919"/>
+          </a:xfrm>
+          <a:prstGeom prst="rect">
+            <a:avLst/>
+          </a:prstGeom>
+        </p:spPr>
+      </p:pic>
     </p:spTree>
     <p:extLst>
       <p:ext uri="{BB962C8B-B14F-4D97-AF65-F5344CB8AC3E}">
@@ -7039,7 +7493,7 @@
 </p:sld>
 </file>
 
-<file path=ppt/slides/slide13.xml><?xml version="1.0" encoding="utf-8"?>
+<file path=ppt/slides/slide15.xml><?xml version="1.0" encoding="utf-8"?>
 <p:sld xmlns:a="http://schemas.openxmlformats.org/drawingml/2006/main" xmlns:r="http://schemas.openxmlformats.org/officeDocument/2006/relationships" xmlns:p="http://schemas.openxmlformats.org/presentationml/2006/main">
   <p:cSld>
     <p:spTree>
@@ -7086,6 +7540,65 @@
           </a:prstGeom>
         </p:spPr>
       </p:pic>
+      <p:pic>
+        <p:nvPicPr>
+          <p:cNvPr id="3" name="Picture 2"/>
+          <p:cNvPicPr>
+            <a:picLocks noChangeAspect="1"/>
+          </p:cNvPicPr>
+          <p:nvPr/>
+        </p:nvPicPr>
+        <p:blipFill>
+          <a:blip r:embed="rId3" cstate="print">
+            <a:extLst>
+              <a:ext uri="{28A0092B-C50C-407E-A947-70E740481C1C}">
+                <a14:useLocalDpi xmlns:a14="http://schemas.microsoft.com/office/drawing/2010/main" val="0"/>
+              </a:ext>
+            </a:extLst>
+          </a:blip>
+          <a:stretch>
+            <a:fillRect/>
+          </a:stretch>
+        </p:blipFill>
+        <p:spPr>
+          <a:xfrm>
+            <a:off x="10762340" y="116126"/>
+            <a:ext cx="1182919" cy="1182919"/>
+          </a:xfrm>
+          <a:prstGeom prst="rect">
+            <a:avLst/>
+          </a:prstGeom>
+        </p:spPr>
+      </p:pic>
+      <p:sp>
+        <p:nvSpPr>
+          <p:cNvPr id="5" name="Title 1"/>
+          <p:cNvSpPr>
+            <a:spLocks noGrp="1"/>
+          </p:cNvSpPr>
+          <p:nvPr>
+            <p:ph type="title"/>
+          </p:nvPr>
+        </p:nvSpPr>
+        <p:spPr>
+          <a:xfrm>
+            <a:off x="431800" y="263525"/>
+            <a:ext cx="10515600" cy="1325563"/>
+          </a:xfrm>
+        </p:spPr>
+        <p:txBody>
+          <a:bodyPr/>
+          <a:lstStyle/>
+          <a:p>
+            <a:pPr algn="ctr"/>
+            <a:r>
+              <a:rPr lang="en-GB" dirty="0" err="1" smtClean="0"/>
+              <a:t>Gephi</a:t>
+            </a:r>
+            <a:endParaRPr lang="en-GB" dirty="0"/>
+          </a:p>
+        </p:txBody>
+      </p:sp>
     </p:spTree>
     <p:extLst>
       <p:ext uri="{BB962C8B-B14F-4D97-AF65-F5344CB8AC3E}">
@@ -7106,7 +7619,7 @@
 </p:sld>
 </file>
 
-<file path=ppt/slides/slide14.xml><?xml version="1.0" encoding="utf-8"?>
+<file path=ppt/slides/slide16.xml><?xml version="1.0" encoding="utf-8"?>
 <p:sld xmlns:a="http://schemas.openxmlformats.org/drawingml/2006/main" xmlns:r="http://schemas.openxmlformats.org/officeDocument/2006/relationships" xmlns:p="http://schemas.openxmlformats.org/presentationml/2006/main">
   <p:cSld>
     <p:spTree>
@@ -7280,6 +7793,36 @@
           </a:p>
         </p:txBody>
       </p:sp>
+      <p:pic>
+        <p:nvPicPr>
+          <p:cNvPr id="5" name="Picture 4"/>
+          <p:cNvPicPr>
+            <a:picLocks noChangeAspect="1"/>
+          </p:cNvPicPr>
+          <p:nvPr/>
+        </p:nvPicPr>
+        <p:blipFill>
+          <a:blip r:embed="rId2" cstate="print">
+            <a:extLst>
+              <a:ext uri="{28A0092B-C50C-407E-A947-70E740481C1C}">
+                <a14:useLocalDpi xmlns:a14="http://schemas.microsoft.com/office/drawing/2010/main" val="0"/>
+              </a:ext>
+            </a:extLst>
+          </a:blip>
+          <a:stretch>
+            <a:fillRect/>
+          </a:stretch>
+        </p:blipFill>
+        <p:spPr>
+          <a:xfrm>
+            <a:off x="10762340" y="116126"/>
+            <a:ext cx="1182919" cy="1182919"/>
+          </a:xfrm>
+          <a:prstGeom prst="rect">
+            <a:avLst/>
+          </a:prstGeom>
+        </p:spPr>
+      </p:pic>
     </p:spTree>
     <p:extLst>
       <p:ext uri="{BB962C8B-B14F-4D97-AF65-F5344CB8AC3E}">
@@ -7379,7 +7922,7 @@
 </p:sld>
 </file>
 
-<file path=ppt/slides/slide15.xml><?xml version="1.0" encoding="utf-8"?>
+<file path=ppt/slides/slide17.xml><?xml version="1.0" encoding="utf-8"?>
 <p:sld xmlns:a="http://schemas.openxmlformats.org/drawingml/2006/main" xmlns:r="http://schemas.openxmlformats.org/officeDocument/2006/relationships" xmlns:p="http://schemas.openxmlformats.org/presentationml/2006/main">
   <p:cSld>
     <p:spTree>
@@ -7770,10 +8313,10 @@
           <a:lstStyle/>
           <a:p>
             <a:r>
-              <a:rPr lang="en-GB" b="1" dirty="0" smtClean="0"/>
+              <a:rPr lang="en-GB" dirty="0" smtClean="0"/>
               <a:t>Presentation outline</a:t>
             </a:r>
-            <a:endParaRPr lang="en-GB" b="1" dirty="0"/>
+            <a:endParaRPr lang="en-GB" dirty="0"/>
           </a:p>
         </p:txBody>
       </p:sp>
@@ -7801,17 +8344,8 @@
               <a:rPr lang="en-GB" b="1" dirty="0" smtClean="0">
                 <a:latin typeface="Calisto MT" panose="02040603050505030304" pitchFamily="18" charset="0"/>
               </a:rPr>
-              <a:t>P</a:t>
-            </a:r>
-            <a:r>
-              <a:rPr lang="en-GB" b="1" dirty="0" smtClean="0">
-                <a:latin typeface="Calisto MT" panose="02040603050505030304" pitchFamily="18" charset="0"/>
-              </a:rPr>
-              <a:t>roject Background</a:t>
-            </a:r>
-            <a:endParaRPr lang="en-GB" b="1" dirty="0" smtClean="0">
-              <a:latin typeface="Calisto MT" panose="02040603050505030304" pitchFamily="18" charset="0"/>
-            </a:endParaRPr>
+              <a:t>Project Background</a:t>
+            </a:r>
           </a:p>
           <a:p>
             <a:pPr>
@@ -7836,31 +8370,7 @@
               <a:rPr lang="en-GB" b="1" dirty="0" smtClean="0">
                 <a:latin typeface="Calisto MT" panose="02040603050505030304" pitchFamily="18" charset="0"/>
               </a:rPr>
-              <a:t>My analysis </a:t>
-            </a:r>
-            <a:r>
-              <a:rPr lang="en-GB" b="1" dirty="0" smtClean="0">
-                <a:latin typeface="Calisto MT" panose="02040603050505030304" pitchFamily="18" charset="0"/>
-              </a:rPr>
-              <a:t>and what </a:t>
-            </a:r>
-            <a:r>
-              <a:rPr lang="en-GB" b="1" dirty="0" smtClean="0">
-                <a:latin typeface="Calisto MT" panose="02040603050505030304" pitchFamily="18" charset="0"/>
-              </a:rPr>
-              <a:t>I learnt </a:t>
-            </a:r>
-            <a:r>
-              <a:rPr lang="en-GB" b="1" dirty="0" smtClean="0">
-                <a:latin typeface="Calisto MT" panose="02040603050505030304" pitchFamily="18" charset="0"/>
-              </a:rPr>
-              <a:t>from this </a:t>
-            </a:r>
-            <a:r>
-              <a:rPr lang="en-GB" b="1" dirty="0" smtClean="0">
-                <a:latin typeface="Calisto MT" panose="02040603050505030304" pitchFamily="18" charset="0"/>
-              </a:rPr>
-              <a:t>project</a:t>
+              <a:t>My analysis and what I learnt from this project</a:t>
             </a:r>
             <a:endParaRPr lang="en-GB" b="1" dirty="0">
               <a:latin typeface="Calisto MT" panose="02040603050505030304" pitchFamily="18" charset="0"/>
@@ -7868,6 +8378,36 @@
           </a:p>
         </p:txBody>
       </p:sp>
+      <p:pic>
+        <p:nvPicPr>
+          <p:cNvPr id="4" name="Picture 3"/>
+          <p:cNvPicPr>
+            <a:picLocks noChangeAspect="1"/>
+          </p:cNvPicPr>
+          <p:nvPr/>
+        </p:nvPicPr>
+        <p:blipFill>
+          <a:blip r:embed="rId2" cstate="print">
+            <a:extLst>
+              <a:ext uri="{28A0092B-C50C-407E-A947-70E740481C1C}">
+                <a14:useLocalDpi xmlns:a14="http://schemas.microsoft.com/office/drawing/2010/main" val="0"/>
+              </a:ext>
+            </a:extLst>
+          </a:blip>
+          <a:stretch>
+            <a:fillRect/>
+          </a:stretch>
+        </p:blipFill>
+        <p:spPr>
+          <a:xfrm>
+            <a:off x="10571127" y="230188"/>
+            <a:ext cx="1182919" cy="1182919"/>
+          </a:xfrm>
+          <a:prstGeom prst="rect">
+            <a:avLst/>
+          </a:prstGeom>
+        </p:spPr>
+      </p:pic>
     </p:spTree>
     <p:extLst>
       <p:ext uri="{BB962C8B-B14F-4D97-AF65-F5344CB8AC3E}">
@@ -8003,6 +8543,36 @@
           </a:p>
         </p:txBody>
       </p:sp>
+      <p:pic>
+        <p:nvPicPr>
+          <p:cNvPr id="5" name="Picture 4"/>
+          <p:cNvPicPr>
+            <a:picLocks noChangeAspect="1"/>
+          </p:cNvPicPr>
+          <p:nvPr/>
+        </p:nvPicPr>
+        <p:blipFill>
+          <a:blip r:embed="rId2" cstate="print">
+            <a:extLst>
+              <a:ext uri="{28A0092B-C50C-407E-A947-70E740481C1C}">
+                <a14:useLocalDpi xmlns:a14="http://schemas.microsoft.com/office/drawing/2010/main" val="0"/>
+              </a:ext>
+            </a:extLst>
+          </a:blip>
+          <a:stretch>
+            <a:fillRect/>
+          </a:stretch>
+        </p:blipFill>
+        <p:spPr>
+          <a:xfrm>
+            <a:off x="10762340" y="116126"/>
+            <a:ext cx="1182919" cy="1182919"/>
+          </a:xfrm>
+          <a:prstGeom prst="rect">
+            <a:avLst/>
+          </a:prstGeom>
+        </p:spPr>
+      </p:pic>
     </p:spTree>
     <p:extLst>
       <p:ext uri="{BB962C8B-B14F-4D97-AF65-F5344CB8AC3E}">
@@ -8176,6 +8746,36 @@
           <a:xfrm>
             <a:off x="7748337" y="2057399"/>
             <a:ext cx="3942348" cy="4174959"/>
+          </a:xfrm>
+          <a:prstGeom prst="rect">
+            <a:avLst/>
+          </a:prstGeom>
+        </p:spPr>
+      </p:pic>
+      <p:pic>
+        <p:nvPicPr>
+          <p:cNvPr id="6" name="Picture 5"/>
+          <p:cNvPicPr>
+            <a:picLocks noChangeAspect="1"/>
+          </p:cNvPicPr>
+          <p:nvPr/>
+        </p:nvPicPr>
+        <p:blipFill>
+          <a:blip r:embed="rId3" cstate="print">
+            <a:extLst>
+              <a:ext uri="{28A0092B-C50C-407E-A947-70E740481C1C}">
+                <a14:useLocalDpi xmlns:a14="http://schemas.microsoft.com/office/drawing/2010/main" val="0"/>
+              </a:ext>
+            </a:extLst>
+          </a:blip>
+          <a:stretch>
+            <a:fillRect/>
+          </a:stretch>
+        </p:blipFill>
+        <p:spPr>
+          <a:xfrm>
+            <a:off x="10762340" y="116126"/>
+            <a:ext cx="1182919" cy="1182919"/>
           </a:xfrm>
           <a:prstGeom prst="rect">
             <a:avLst/>
@@ -8651,6 +9251,36 @@
           </a:p>
         </p:txBody>
       </p:sp>
+      <p:pic>
+        <p:nvPicPr>
+          <p:cNvPr id="5" name="Picture 4"/>
+          <p:cNvPicPr>
+            <a:picLocks noChangeAspect="1"/>
+          </p:cNvPicPr>
+          <p:nvPr/>
+        </p:nvPicPr>
+        <p:blipFill>
+          <a:blip r:embed="rId3" cstate="print">
+            <a:extLst>
+              <a:ext uri="{28A0092B-C50C-407E-A947-70E740481C1C}">
+                <a14:useLocalDpi xmlns:a14="http://schemas.microsoft.com/office/drawing/2010/main" val="0"/>
+              </a:ext>
+            </a:extLst>
+          </a:blip>
+          <a:stretch>
+            <a:fillRect/>
+          </a:stretch>
+        </p:blipFill>
+        <p:spPr>
+          <a:xfrm>
+            <a:off x="10762340" y="116126"/>
+            <a:ext cx="1182919" cy="1182919"/>
+          </a:xfrm>
+          <a:prstGeom prst="rect">
+            <a:avLst/>
+          </a:prstGeom>
+        </p:spPr>
+      </p:pic>
     </p:spTree>
     <p:extLst>
       <p:ext uri="{BB962C8B-B14F-4D97-AF65-F5344CB8AC3E}">
@@ -9037,6 +9667,36 @@
               </a14:hiddenFill>
             </a:ext>
           </a:extLst>
+        </p:spPr>
+      </p:pic>
+      <p:pic>
+        <p:nvPicPr>
+          <p:cNvPr id="5" name="Picture 4"/>
+          <p:cNvPicPr>
+            <a:picLocks noChangeAspect="1"/>
+          </p:cNvPicPr>
+          <p:nvPr/>
+        </p:nvPicPr>
+        <p:blipFill>
+          <a:blip r:embed="rId3" cstate="print">
+            <a:extLst>
+              <a:ext uri="{28A0092B-C50C-407E-A947-70E740481C1C}">
+                <a14:useLocalDpi xmlns:a14="http://schemas.microsoft.com/office/drawing/2010/main" val="0"/>
+              </a:ext>
+            </a:extLst>
+          </a:blip>
+          <a:stretch>
+            <a:fillRect/>
+          </a:stretch>
+        </p:blipFill>
+        <p:spPr>
+          <a:xfrm>
+            <a:off x="10762340" y="116126"/>
+            <a:ext cx="1182919" cy="1182919"/>
+          </a:xfrm>
+          <a:prstGeom prst="rect">
+            <a:avLst/>
+          </a:prstGeom>
         </p:spPr>
       </p:pic>
     </p:spTree>
@@ -9301,8 +9961,38 @@
         </p:blipFill>
         <p:spPr>
           <a:xfrm>
-            <a:off x="257442" y="270629"/>
+            <a:off x="255241" y="1299045"/>
             <a:ext cx="11517023" cy="6475164"/>
+          </a:xfrm>
+          <a:prstGeom prst="rect">
+            <a:avLst/>
+          </a:prstGeom>
+        </p:spPr>
+      </p:pic>
+      <p:pic>
+        <p:nvPicPr>
+          <p:cNvPr id="5" name="Picture 4"/>
+          <p:cNvPicPr>
+            <a:picLocks noChangeAspect="1"/>
+          </p:cNvPicPr>
+          <p:nvPr/>
+        </p:nvPicPr>
+        <p:blipFill>
+          <a:blip r:embed="rId3" cstate="print">
+            <a:extLst>
+              <a:ext uri="{28A0092B-C50C-407E-A947-70E740481C1C}">
+                <a14:useLocalDpi xmlns:a14="http://schemas.microsoft.com/office/drawing/2010/main" val="0"/>
+              </a:ext>
+            </a:extLst>
+          </a:blip>
+          <a:stretch>
+            <a:fillRect/>
+          </a:stretch>
+        </p:blipFill>
+        <p:spPr>
+          <a:xfrm>
+            <a:off x="10762340" y="116126"/>
+            <a:ext cx="1182919" cy="1182919"/>
           </a:xfrm>
           <a:prstGeom prst="rect">
             <a:avLst/>
@@ -9393,6 +10083,36 @@
           </a:prstGeom>
         </p:spPr>
       </p:pic>
+      <p:pic>
+        <p:nvPicPr>
+          <p:cNvPr id="5" name="Picture 4"/>
+          <p:cNvPicPr>
+            <a:picLocks noChangeAspect="1"/>
+          </p:cNvPicPr>
+          <p:nvPr/>
+        </p:nvPicPr>
+        <p:blipFill>
+          <a:blip r:embed="rId3" cstate="print">
+            <a:extLst>
+              <a:ext uri="{28A0092B-C50C-407E-A947-70E740481C1C}">
+                <a14:useLocalDpi xmlns:a14="http://schemas.microsoft.com/office/drawing/2010/main" val="0"/>
+              </a:ext>
+            </a:extLst>
+          </a:blip>
+          <a:stretch>
+            <a:fillRect/>
+          </a:stretch>
+        </p:blipFill>
+        <p:spPr>
+          <a:xfrm>
+            <a:off x="10762340" y="116126"/>
+            <a:ext cx="1182919" cy="1182919"/>
+          </a:xfrm>
+          <a:prstGeom prst="rect">
+            <a:avLst/>
+          </a:prstGeom>
+        </p:spPr>
+      </p:pic>
     </p:spTree>
     <p:extLst>
       <p:ext uri="{BB962C8B-B14F-4D97-AF65-F5344CB8AC3E}">
@@ -9447,7 +10167,7 @@
           <a:p>
             <a:r>
               <a:rPr lang="en-GB" dirty="0" smtClean="0"/>
-              <a:t>Research Questions</a:t>
+              <a:t>Challenges</a:t>
             </a:r>
             <a:endParaRPr lang="en-GB" dirty="0"/>
           </a:p>
@@ -9477,13 +10197,7 @@
               <a:rPr lang="en-GB" sz="2400" dirty="0" smtClean="0">
                 <a:latin typeface="Calisto MT" panose="02040603050505030304" pitchFamily="18" charset="0"/>
               </a:rPr>
-              <a:t>What is the most influential channel amongst the datasets</a:t>
-            </a:r>
-            <a:r>
-              <a:rPr lang="en-GB" sz="2400" dirty="0" smtClean="0">
-                <a:latin typeface="Calisto MT" panose="02040603050505030304" pitchFamily="18" charset="0"/>
-              </a:rPr>
-              <a:t>?</a:t>
+              <a:t>Getting to grips with R</a:t>
             </a:r>
           </a:p>
           <a:p>
@@ -9493,26 +10207,23 @@
               </a:lnSpc>
             </a:pPr>
             <a:r>
-              <a:rPr lang="en-GB" sz="2400" dirty="0">
+              <a:rPr lang="en-GB" sz="2400" dirty="0" smtClean="0">
                 <a:latin typeface="Calisto MT" panose="02040603050505030304" pitchFamily="18" charset="0"/>
               </a:rPr>
-              <a:t>What is the most popular channel group in </a:t>
+              <a:t>Understanding the work Ali </a:t>
             </a:r>
             <a:r>
               <a:rPr lang="en-GB" sz="2400" dirty="0" err="1" smtClean="0">
                 <a:latin typeface="Calisto MT" panose="02040603050505030304" pitchFamily="18" charset="0"/>
               </a:rPr>
-              <a:t>Youtube</a:t>
+              <a:t>Jardz</a:t>
             </a:r>
             <a:r>
               <a:rPr lang="en-GB" sz="2400" dirty="0" smtClean="0">
                 <a:latin typeface="Calisto MT" panose="02040603050505030304" pitchFamily="18" charset="0"/>
               </a:rPr>
-              <a:t> UK?</a:t>
-            </a:r>
-            <a:endParaRPr lang="en-GB" sz="2400" dirty="0" smtClean="0">
-              <a:latin typeface="Calisto MT" panose="02040603050505030304" pitchFamily="18" charset="0"/>
-            </a:endParaRPr>
+              <a:t> did</a:t>
+            </a:r>
           </a:p>
           <a:p>
             <a:pPr>
@@ -9524,40 +10235,87 @@
               <a:rPr lang="en-GB" sz="2400" dirty="0" smtClean="0">
                 <a:latin typeface="Calisto MT" panose="02040603050505030304" pitchFamily="18" charset="0"/>
               </a:rPr>
-              <a:t>Do Collaborations necessarily lead to more subscribers</a:t>
-            </a:r>
-            <a:r>
-              <a:rPr lang="en-GB" sz="2400" dirty="0" smtClean="0">
-                <a:latin typeface="Calisto MT" panose="02040603050505030304" pitchFamily="18" charset="0"/>
-              </a:rPr>
-              <a:t>?</a:t>
-            </a:r>
-          </a:p>
-          <a:p>
-            <a:endParaRPr lang="en-GB" dirty="0">
-              <a:latin typeface="Calisto MT" panose="02040603050505030304" pitchFamily="18" charset="0"/>
-            </a:endParaRPr>
+              <a:t>Cleaning my data</a:t>
+            </a:r>
+          </a:p>
+          <a:p>
+            <a:pPr>
+              <a:lnSpc>
+                <a:spcPct val="150000"/>
+              </a:lnSpc>
+            </a:pPr>
+            <a:endParaRPr lang="en-GB" dirty="0" smtClean="0"/>
+          </a:p>
+          <a:p>
+            <a:endParaRPr lang="en-GB" dirty="0"/>
           </a:p>
         </p:txBody>
       </p:sp>
       <p:pic>
         <p:nvPicPr>
-          <p:cNvPr id="4" name="Picture 3"/>
+          <p:cNvPr id="1026" name="Picture 2" descr="http://i3.kym-cdn.com/entries/icons/original/000/004/815/lol-guy.jpg"/>
+          <p:cNvPicPr>
+            <a:picLocks noChangeAspect="1" noChangeArrowheads="1"/>
+          </p:cNvPicPr>
+          <p:nvPr/>
+        </p:nvPicPr>
+        <p:blipFill>
+          <a:blip r:embed="rId2">
+            <a:extLst>
+              <a:ext uri="{28A0092B-C50C-407E-A947-70E740481C1C}">
+                <a14:useLocalDpi xmlns:a14="http://schemas.microsoft.com/office/drawing/2010/main" val="0"/>
+              </a:ext>
+            </a:extLst>
+          </a:blip>
+          <a:srcRect/>
+          <a:stretch>
+            <a:fillRect/>
+          </a:stretch>
+        </p:blipFill>
+        <p:spPr bwMode="auto">
+          <a:xfrm>
+            <a:off x="7885698" y="1223963"/>
+            <a:ext cx="3167501" cy="3612732"/>
+          </a:xfrm>
+          <a:prstGeom prst="rect">
+            <a:avLst/>
+          </a:prstGeom>
+          <a:noFill/>
+          <a:extLst>
+            <a:ext uri="{909E8E84-426E-40DD-AFC4-6F175D3DCCD1}">
+              <a14:hiddenFill xmlns:a14="http://schemas.microsoft.com/office/drawing/2010/main">
+                <a:solidFill>
+                  <a:srgbClr val="FFFFFF"/>
+                </a:solidFill>
+              </a14:hiddenFill>
+            </a:ext>
+          </a:extLst>
+        </p:spPr>
+      </p:pic>
+      <p:pic>
+        <p:nvPicPr>
+          <p:cNvPr id="5" name="Picture 4"/>
           <p:cNvPicPr>
             <a:picLocks noChangeAspect="1"/>
           </p:cNvPicPr>
           <p:nvPr/>
         </p:nvPicPr>
         <p:blipFill>
-          <a:blip r:embed="rId2"/>
+          <a:blip r:embed="rId3" cstate="print">
+            <a:extLst>
+              <a:ext uri="{28A0092B-C50C-407E-A947-70E740481C1C}">
+                <a14:useLocalDpi xmlns:a14="http://schemas.microsoft.com/office/drawing/2010/main" val="0"/>
+              </a:ext>
+            </a:extLst>
+          </a:blip>
           <a:stretch>
             <a:fillRect/>
           </a:stretch>
         </p:blipFill>
         <p:spPr>
           <a:xfrm>
-            <a:off x="8558463" y="2659564"/>
-            <a:ext cx="3465095" cy="3168815"/>
+            <a:off x="10762340" y="116126"/>
+            <a:ext cx="1182919" cy="1182919"/>
           </a:xfrm>
           <a:prstGeom prst="rect">
             <a:avLst/>
@@ -9567,7 +10325,7 @@
     </p:spTree>
     <p:extLst>
       <p:ext uri="{BB962C8B-B14F-4D97-AF65-F5344CB8AC3E}">
-        <p14:creationId xmlns:p14="http://schemas.microsoft.com/office/powerpoint/2010/main" val="1107412989"/>
+        <p14:creationId xmlns:p14="http://schemas.microsoft.com/office/powerpoint/2010/main" val="3052025620"/>
       </p:ext>
     </p:extLst>
   </p:cSld>
@@ -9577,9 +10335,218 @@
   <p:timing>
     <p:tnLst>
       <p:par>
-        <p:cTn id="1" dur="indefinite" restart="never" nodeType="tmRoot"/>
+        <p:cTn id="1" dur="indefinite" restart="never" nodeType="tmRoot">
+          <p:childTnLst>
+            <p:seq concurrent="1" nextAc="seek">
+              <p:cTn id="2" dur="indefinite" nodeType="mainSeq">
+                <p:childTnLst>
+                  <p:par>
+                    <p:cTn id="3" fill="hold">
+                      <p:stCondLst>
+                        <p:cond delay="indefinite"/>
+                      </p:stCondLst>
+                      <p:childTnLst>
+                        <p:par>
+                          <p:cTn id="4" fill="hold">
+                            <p:stCondLst>
+                              <p:cond delay="0"/>
+                            </p:stCondLst>
+                            <p:childTnLst>
+                              <p:par>
+                                <p:cTn id="5" presetID="10" presetClass="entr" presetSubtype="0" fill="hold" grpId="0" nodeType="clickEffect">
+                                  <p:stCondLst>
+                                    <p:cond delay="0"/>
+                                  </p:stCondLst>
+                                  <p:childTnLst>
+                                    <p:set>
+                                      <p:cBhvr>
+                                        <p:cTn id="6" dur="1" fill="hold">
+                                          <p:stCondLst>
+                                            <p:cond delay="0"/>
+                                          </p:stCondLst>
+                                        </p:cTn>
+                                        <p:tgtEl>
+                                          <p:spTgt spid="3">
+                                            <p:txEl>
+                                              <p:pRg st="0" end="0"/>
+                                            </p:txEl>
+                                          </p:spTgt>
+                                        </p:tgtEl>
+                                        <p:attrNameLst>
+                                          <p:attrName>style.visibility</p:attrName>
+                                        </p:attrNameLst>
+                                      </p:cBhvr>
+                                      <p:to>
+                                        <p:strVal val="visible"/>
+                                      </p:to>
+                                    </p:set>
+                                    <p:animEffect transition="in" filter="fade">
+                                      <p:cBhvr>
+                                        <p:cTn id="7" dur="500"/>
+                                        <p:tgtEl>
+                                          <p:spTgt spid="3">
+                                            <p:txEl>
+                                              <p:pRg st="0" end="0"/>
+                                            </p:txEl>
+                                          </p:spTgt>
+                                        </p:tgtEl>
+                                      </p:cBhvr>
+                                    </p:animEffect>
+                                  </p:childTnLst>
+                                </p:cTn>
+                              </p:par>
+                            </p:childTnLst>
+                          </p:cTn>
+                        </p:par>
+                      </p:childTnLst>
+                    </p:cTn>
+                  </p:par>
+                  <p:par>
+                    <p:cTn id="8" fill="hold">
+                      <p:stCondLst>
+                        <p:cond delay="indefinite"/>
+                      </p:stCondLst>
+                      <p:childTnLst>
+                        <p:par>
+                          <p:cTn id="9" fill="hold">
+                            <p:stCondLst>
+                              <p:cond delay="0"/>
+                            </p:stCondLst>
+                            <p:childTnLst>
+                              <p:par>
+                                <p:cTn id="10" presetID="10" presetClass="entr" presetSubtype="0" fill="hold" grpId="0" nodeType="clickEffect">
+                                  <p:stCondLst>
+                                    <p:cond delay="0"/>
+                                  </p:stCondLst>
+                                  <p:childTnLst>
+                                    <p:set>
+                                      <p:cBhvr>
+                                        <p:cTn id="11" dur="1" fill="hold">
+                                          <p:stCondLst>
+                                            <p:cond delay="0"/>
+                                          </p:stCondLst>
+                                        </p:cTn>
+                                        <p:tgtEl>
+                                          <p:spTgt spid="3">
+                                            <p:txEl>
+                                              <p:pRg st="1" end="1"/>
+                                            </p:txEl>
+                                          </p:spTgt>
+                                        </p:tgtEl>
+                                        <p:attrNameLst>
+                                          <p:attrName>style.visibility</p:attrName>
+                                        </p:attrNameLst>
+                                      </p:cBhvr>
+                                      <p:to>
+                                        <p:strVal val="visible"/>
+                                      </p:to>
+                                    </p:set>
+                                    <p:animEffect transition="in" filter="fade">
+                                      <p:cBhvr>
+                                        <p:cTn id="12" dur="500"/>
+                                        <p:tgtEl>
+                                          <p:spTgt spid="3">
+                                            <p:txEl>
+                                              <p:pRg st="1" end="1"/>
+                                            </p:txEl>
+                                          </p:spTgt>
+                                        </p:tgtEl>
+                                      </p:cBhvr>
+                                    </p:animEffect>
+                                  </p:childTnLst>
+                                </p:cTn>
+                              </p:par>
+                            </p:childTnLst>
+                          </p:cTn>
+                        </p:par>
+                      </p:childTnLst>
+                    </p:cTn>
+                  </p:par>
+                  <p:par>
+                    <p:cTn id="13" fill="hold">
+                      <p:stCondLst>
+                        <p:cond delay="indefinite"/>
+                      </p:stCondLst>
+                      <p:childTnLst>
+                        <p:par>
+                          <p:cTn id="14" fill="hold">
+                            <p:stCondLst>
+                              <p:cond delay="0"/>
+                            </p:stCondLst>
+                            <p:childTnLst>
+                              <p:par>
+                                <p:cTn id="15" presetID="10" presetClass="entr" presetSubtype="0" fill="hold" grpId="0" nodeType="clickEffect">
+                                  <p:stCondLst>
+                                    <p:cond delay="0"/>
+                                  </p:stCondLst>
+                                  <p:childTnLst>
+                                    <p:set>
+                                      <p:cBhvr>
+                                        <p:cTn id="16" dur="1" fill="hold">
+                                          <p:stCondLst>
+                                            <p:cond delay="0"/>
+                                          </p:stCondLst>
+                                        </p:cTn>
+                                        <p:tgtEl>
+                                          <p:spTgt spid="3">
+                                            <p:txEl>
+                                              <p:pRg st="2" end="2"/>
+                                            </p:txEl>
+                                          </p:spTgt>
+                                        </p:tgtEl>
+                                        <p:attrNameLst>
+                                          <p:attrName>style.visibility</p:attrName>
+                                        </p:attrNameLst>
+                                      </p:cBhvr>
+                                      <p:to>
+                                        <p:strVal val="visible"/>
+                                      </p:to>
+                                    </p:set>
+                                    <p:animEffect transition="in" filter="fade">
+                                      <p:cBhvr>
+                                        <p:cTn id="17" dur="500"/>
+                                        <p:tgtEl>
+                                          <p:spTgt spid="3">
+                                            <p:txEl>
+                                              <p:pRg st="2" end="2"/>
+                                            </p:txEl>
+                                          </p:spTgt>
+                                        </p:tgtEl>
+                                      </p:cBhvr>
+                                    </p:animEffect>
+                                  </p:childTnLst>
+                                </p:cTn>
+                              </p:par>
+                            </p:childTnLst>
+                          </p:cTn>
+                        </p:par>
+                      </p:childTnLst>
+                    </p:cTn>
+                  </p:par>
+                </p:childTnLst>
+              </p:cTn>
+              <p:prevCondLst>
+                <p:cond evt="onPrev" delay="0">
+                  <p:tgtEl>
+                    <p:sldTgt/>
+                  </p:tgtEl>
+                </p:cond>
+              </p:prevCondLst>
+              <p:nextCondLst>
+                <p:cond evt="onNext" delay="0">
+                  <p:tgtEl>
+                    <p:sldTgt/>
+                  </p:tgtEl>
+                </p:cond>
+              </p:nextCondLst>
+            </p:seq>
+          </p:childTnLst>
+        </p:cTn>
       </p:par>
     </p:tnLst>
+    <p:bldLst>
+      <p:bldP spid="3" grpId="0" build="p"/>
+    </p:bldLst>
   </p:timing>
 </p:sld>
 </file>
